--- a/example/presentation_generated.pptx
+++ b/example/presentation_generated.pptx
@@ -5,19 +5,19 @@
     <p:sldMasterId id="2147483648" r:id="rId1"/>
   </p:sldMasterIdLst>
   <p:notesMasterIdLst>
-    <p:notesMasterId r:id="rId7"/>
+    <p:notesMasterId r:id="rId6"/>
   </p:notesMasterIdLst>
   <p:handoutMasterIdLst>
-    <p:handoutMasterId r:id="rId8"/>
+    <p:handoutMasterId r:id="rId7"/>
   </p:handoutMasterIdLst>
   <p:sldIdLst>
-    <p:sldId id="256" r:id="rId3"/>
-    <p:sldId id="257" r:id="rId4"/>
-    <p:sldId id="258" r:id="rId5"/>
-    <p:sldId id="259" r:id="rId6"/>
+    <p:sldId id="256" r:id="rId2"/>
+    <p:sldId id="257" r:id="rId3"/>
+    <p:sldId id="258" r:id="rId4"/>
+    <p:sldId id="259" r:id="rId5"/>
   </p:sldIdLst>
   <p:sldSz cx="12192000" cy="6858000"/>
-  <p:notesSz cx="7103745" cy="10234295"/>
+  <p:notesSz cx="7104063" cy="10234613"/>
   <p:defaultTextStyle>
     <a:defPPr>
       <a:defRPr lang="zh-CN"/>
@@ -113,6 +113,22 @@
       </a:defRPr>
     </a:lvl9pPr>
   </p:defaultTextStyle>
+  <p:extLst>
+    <p:ext uri="{EFAFB233-063F-42B5-8137-9DF3F51BA10A}">
+      <p15:sldGuideLst xmlns:p15="http://schemas.microsoft.com/office/powerpoint/2012/main">
+        <p15:guide id="1" orient="horz" pos="2160">
+          <p15:clr>
+            <a:srgbClr val="A4A3A4"/>
+          </p15:clr>
+        </p15:guide>
+        <p15:guide id="2" pos="3840">
+          <p15:clr>
+            <a:srgbClr val="A4A3A4"/>
+          </p15:clr>
+        </p15:guide>
+      </p15:sldGuideLst>
+    </p:ext>
+  </p:extLst>
 </p:presentation>
 </file>
 
@@ -198,6 +214,7 @@
           <a:p>
             <a:fld id="{0F9B84EA-7D68-4D60-9CB1-D50884785D1C}" type="datetimeFigureOut">
               <a:rPr lang="zh-CN" altLang="en-US" smtClean="0"/>
+              <a:t>2023/5/18</a:t>
             </a:fld>
             <a:endParaRPr lang="zh-CN" altLang="en-US"/>
           </a:p>
@@ -263,12 +280,18 @@
           <a:p>
             <a:fld id="{8D4E0FC9-F1F8-4FAE-9988-3BA365CFD46F}" type="slidenum">
               <a:rPr lang="zh-CN" altLang="en-US" smtClean="0"/>
+              <a:t>‹#›</a:t>
             </a:fld>
             <a:endParaRPr lang="zh-CN" altLang="en-US"/>
           </a:p>
         </p:txBody>
       </p:sp>
     </p:spTree>
+    <p:extLst>
+      <p:ext uri="{BB962C8B-B14F-4D97-AF65-F5344CB8AC3E}">
+        <p14:creationId xmlns:p14="http://schemas.microsoft.com/office/powerpoint/2010/main" val="1"/>
+      </p:ext>
+    </p:extLst>
   </p:cSld>
   <p:clrMap bg1="lt1" tx1="dk1" bg2="lt2" tx2="dk2" accent1="accent1" accent2="accent2" accent3="accent3" accent4="accent4" accent5="accent5" accent6="accent6" hlink="hlink" folHlink="folHlink"/>
 </p:handoutMaster>
@@ -356,6 +379,7 @@
           <a:p>
             <a:fld id="{D6C8D182-E4C8-4120-9249-FC9774456FFA}" type="datetimeFigureOut">
               <a:rPr lang="zh-CN" altLang="en-US" smtClean="0"/>
+              <a:t>2023/5/18</a:t>
             </a:fld>
             <a:endParaRPr lang="zh-CN" altLang="en-US"/>
           </a:p>
@@ -422,7 +446,6 @@
               <a:rPr lang="zh-CN" altLang="en-US"/>
               <a:t>编辑母版文本样式</a:t>
             </a:r>
-            <a:endParaRPr lang="zh-CN" altLang="en-US"/>
           </a:p>
           <a:p>
             <a:pPr lvl="1"/>
@@ -430,7 +453,6 @@
               <a:rPr lang="zh-CN" altLang="en-US"/>
               <a:t>第二级</a:t>
             </a:r>
-            <a:endParaRPr lang="zh-CN" altLang="en-US"/>
           </a:p>
           <a:p>
             <a:pPr lvl="2"/>
@@ -438,7 +460,6 @@
               <a:rPr lang="zh-CN" altLang="en-US"/>
               <a:t>第三级</a:t>
             </a:r>
-            <a:endParaRPr lang="zh-CN" altLang="en-US"/>
           </a:p>
           <a:p>
             <a:pPr lvl="3"/>
@@ -446,7 +467,6 @@
               <a:rPr lang="zh-CN" altLang="en-US"/>
               <a:t>第四级</a:t>
             </a:r>
-            <a:endParaRPr lang="zh-CN" altLang="en-US"/>
           </a:p>
           <a:p>
             <a:pPr lvl="4"/>
@@ -454,7 +474,6 @@
               <a:rPr lang="zh-CN" altLang="en-US"/>
               <a:t>第五级</a:t>
             </a:r>
-            <a:endParaRPr lang="zh-CN" altLang="en-US"/>
           </a:p>
         </p:txBody>
       </p:sp>
@@ -518,6 +537,7 @@
           <a:p>
             <a:fld id="{85D0DACE-38E0-42D2-9336-2B707D34BC6D}" type="slidenum">
               <a:rPr lang="zh-CN" altLang="en-US" smtClean="0"/>
+              <a:t>‹#›</a:t>
             </a:fld>
             <a:endParaRPr lang="zh-CN" altLang="en-US"/>
           </a:p>
@@ -681,9 +701,6 @@
               </a:rPr>
               <a:t>Click to edit Master title style</a:t>
             </a:r>
-            <a:endParaRPr lang="zh-CN" altLang="en-US" dirty="0">
-              <a:sym typeface="+mn-ea"/>
-            </a:endParaRPr>
           </a:p>
         </p:txBody>
       </p:sp>
@@ -704,6 +721,7 @@
           <a:p>
             <a:fld id="{760FBDFE-C587-4B4C-A407-44438C67B59E}" type="datetimeFigureOut">
               <a:rPr lang="zh-CN" altLang="en-US" smtClean="0"/>
+              <a:t>2023/5/18</a:t>
             </a:fld>
             <a:endParaRPr lang="zh-CN" altLang="en-US"/>
           </a:p>
@@ -745,6 +763,7 @@
           <a:p>
             <a:fld id="{49AE70B2-8BF9-45C0-BB95-33D1B9D3A854}" type="slidenum">
               <a:rPr lang="zh-CN" altLang="en-US" smtClean="0"/>
+              <a:t>‹#›</a:t>
             </a:fld>
             <a:endParaRPr lang="zh-CN" altLang="en-US"/>
           </a:p>
@@ -823,7 +842,6 @@
               <a:rPr lang="zh-CN" altLang="en-US" dirty="0"/>
               <a:t>Click to edit Master subtitle style</a:t>
             </a:r>
-            <a:endParaRPr lang="zh-CN" altLang="en-US" dirty="0"/>
           </a:p>
         </p:txBody>
       </p:sp>
@@ -869,6 +887,7 @@
           <a:p>
             <a:fld id="{760FBDFE-C587-4B4C-A407-44438C67B59E}" type="datetimeFigureOut">
               <a:rPr lang="zh-CN" altLang="en-US" smtClean="0"/>
+              <a:t>2023/5/18</a:t>
             </a:fld>
             <a:endParaRPr lang="zh-CN" altLang="en-US"/>
           </a:p>
@@ -910,6 +929,7 @@
           <a:p>
             <a:fld id="{49AE70B2-8BF9-45C0-BB95-33D1B9D3A854}" type="slidenum">
               <a:rPr lang="zh-CN" altLang="en-US" smtClean="0"/>
+              <a:t>‹#›</a:t>
             </a:fld>
             <a:endParaRPr lang="zh-CN" altLang="en-US"/>
           </a:p>
@@ -942,9 +962,6 @@
               </a:rPr>
               <a:t>Click to edit Master text styles</a:t>
             </a:r>
-            <a:endParaRPr lang="zh-CN" altLang="en-US" dirty="0">
-              <a:sym typeface="+mn-ea"/>
-            </a:endParaRPr>
           </a:p>
           <a:p>
             <a:pPr lvl="1"/>
@@ -952,7 +969,6 @@
               <a:rPr lang="zh-CN" altLang="en-US" dirty="0"/>
               <a:t>Second level</a:t>
             </a:r>
-            <a:endParaRPr lang="zh-CN" altLang="en-US" dirty="0"/>
           </a:p>
           <a:p>
             <a:pPr lvl="2"/>
@@ -960,7 +976,6 @@
               <a:rPr lang="zh-CN" altLang="en-US" dirty="0"/>
               <a:t>Third level</a:t>
             </a:r>
-            <a:endParaRPr lang="zh-CN" altLang="en-US" dirty="0"/>
           </a:p>
           <a:p>
             <a:pPr lvl="3"/>
@@ -968,7 +983,6 @@
               <a:rPr lang="zh-CN" altLang="en-US" dirty="0"/>
               <a:t>Fourth level</a:t>
             </a:r>
-            <a:endParaRPr lang="zh-CN" altLang="en-US" dirty="0"/>
           </a:p>
           <a:p>
             <a:pPr lvl="4"/>
@@ -976,7 +990,6 @@
               <a:rPr lang="zh-CN" altLang="en-US" dirty="0"/>
               <a:t>Fifth level</a:t>
             </a:r>
-            <a:endParaRPr lang="zh-CN" altLang="en-US" dirty="0"/>
           </a:p>
         </p:txBody>
       </p:sp>
@@ -1043,7 +1056,6 @@
               <a:rPr lang="zh-CN" altLang="en-US" dirty="0"/>
               <a:t>Click to edit Master title style</a:t>
             </a:r>
-            <a:endParaRPr lang="zh-CN" altLang="en-US" dirty="0"/>
           </a:p>
         </p:txBody>
       </p:sp>
@@ -1127,9 +1139,6 @@
               </a:rPr>
               <a:t>Click to edit Master text styles</a:t>
             </a:r>
-            <a:endParaRPr lang="zh-CN" altLang="en-US" dirty="0">
-              <a:sym typeface="+mn-ea"/>
-            </a:endParaRPr>
           </a:p>
           <a:p>
             <a:pPr lvl="1"/>
@@ -1137,7 +1146,6 @@
               <a:rPr lang="zh-CN" altLang="en-US" dirty="0"/>
               <a:t>Second level</a:t>
             </a:r>
-            <a:endParaRPr lang="zh-CN" altLang="en-US" dirty="0"/>
           </a:p>
           <a:p>
             <a:pPr lvl="2"/>
@@ -1145,7 +1153,6 @@
               <a:rPr lang="zh-CN" altLang="en-US" dirty="0"/>
               <a:t>Third level</a:t>
             </a:r>
-            <a:endParaRPr lang="zh-CN" altLang="en-US" dirty="0"/>
           </a:p>
           <a:p>
             <a:pPr lvl="3"/>
@@ -1153,7 +1160,6 @@
               <a:rPr lang="zh-CN" altLang="en-US" dirty="0"/>
               <a:t>Fourth level</a:t>
             </a:r>
-            <a:endParaRPr lang="zh-CN" altLang="en-US" dirty="0"/>
           </a:p>
           <a:p>
             <a:pPr lvl="4"/>
@@ -1161,7 +1167,6 @@
               <a:rPr lang="zh-CN" altLang="en-US" dirty="0"/>
               <a:t>Fifth level</a:t>
             </a:r>
-            <a:endParaRPr lang="zh-CN" altLang="en-US" dirty="0"/>
           </a:p>
         </p:txBody>
       </p:sp>
@@ -1182,6 +1187,7 @@
           <a:p>
             <a:fld id="{760FBDFE-C587-4B4C-A407-44438C67B59E}" type="datetimeFigureOut">
               <a:rPr lang="zh-CN" altLang="en-US" smtClean="0"/>
+              <a:t>2023/5/18</a:t>
             </a:fld>
             <a:endParaRPr lang="zh-CN" altLang="en-US"/>
           </a:p>
@@ -1223,6 +1229,7 @@
           <a:p>
             <a:fld id="{49AE70B2-8BF9-45C0-BB95-33D1B9D3A854}" type="slidenum">
               <a:rPr lang="zh-CN" altLang="en-US" smtClean="0"/>
+              <a:t>‹#›</a:t>
             </a:fld>
             <a:endParaRPr lang="zh-CN" altLang="en-US"/>
           </a:p>
@@ -1291,7 +1298,6 @@
               <a:rPr lang="zh-CN" altLang="en-US" dirty="0"/>
               <a:t>Click to edit Master title style</a:t>
             </a:r>
-            <a:endParaRPr lang="zh-CN" altLang="en-US" dirty="0"/>
           </a:p>
         </p:txBody>
       </p:sp>
@@ -1413,9 +1419,6 @@
               </a:rPr>
               <a:t>Click to edit Master text styles</a:t>
             </a:r>
-            <a:endParaRPr lang="zh-CN" altLang="en-US" dirty="0">
-              <a:sym typeface="+mn-ea"/>
-            </a:endParaRPr>
           </a:p>
         </p:txBody>
       </p:sp>
@@ -1436,6 +1439,7 @@
           <a:p>
             <a:fld id="{760FBDFE-C587-4B4C-A407-44438C67B59E}" type="datetimeFigureOut">
               <a:rPr lang="zh-CN" altLang="en-US" smtClean="0"/>
+              <a:t>2023/5/18</a:t>
             </a:fld>
             <a:endParaRPr lang="zh-CN" altLang="en-US"/>
           </a:p>
@@ -1477,6 +1481,7 @@
           <a:p>
             <a:fld id="{49AE70B2-8BF9-45C0-BB95-33D1B9D3A854}" type="slidenum">
               <a:rPr lang="zh-CN" altLang="en-US" smtClean="0"/>
+              <a:t>‹#›</a:t>
             </a:fld>
             <a:endParaRPr lang="zh-CN" altLang="en-US"/>
           </a:p>
@@ -1545,7 +1550,6 @@
               <a:rPr lang="zh-CN" altLang="en-US" dirty="0"/>
               <a:t>Click to edit Master title style</a:t>
             </a:r>
-            <a:endParaRPr lang="zh-CN" altLang="en-US" dirty="0"/>
           </a:p>
         </p:txBody>
       </p:sp>
@@ -1644,9 +1648,6 @@
               </a:rPr>
               <a:t>Click to edit Master text styles</a:t>
             </a:r>
-            <a:endParaRPr lang="zh-CN" altLang="en-US" dirty="0">
-              <a:sym typeface="+mn-ea"/>
-            </a:endParaRPr>
           </a:p>
           <a:p>
             <a:pPr lvl="1"/>
@@ -1654,7 +1655,6 @@
               <a:rPr lang="zh-CN" altLang="en-US" dirty="0"/>
               <a:t>Second level</a:t>
             </a:r>
-            <a:endParaRPr lang="zh-CN" altLang="en-US" dirty="0"/>
           </a:p>
           <a:p>
             <a:pPr lvl="2"/>
@@ -1662,7 +1662,6 @@
               <a:rPr lang="zh-CN" altLang="en-US" dirty="0"/>
               <a:t>Third level</a:t>
             </a:r>
-            <a:endParaRPr lang="zh-CN" altLang="en-US" dirty="0"/>
           </a:p>
           <a:p>
             <a:pPr lvl="3"/>
@@ -1670,7 +1669,6 @@
               <a:rPr lang="zh-CN" altLang="en-US" dirty="0"/>
               <a:t>Fourth level</a:t>
             </a:r>
-            <a:endParaRPr lang="zh-CN" altLang="en-US" dirty="0"/>
           </a:p>
           <a:p>
             <a:pPr lvl="4"/>
@@ -1678,7 +1676,6 @@
               <a:rPr lang="zh-CN" altLang="en-US" dirty="0"/>
               <a:t>Fifth level</a:t>
             </a:r>
-            <a:endParaRPr lang="zh-CN" altLang="en-US" dirty="0"/>
           </a:p>
         </p:txBody>
       </p:sp>
@@ -1777,9 +1774,6 @@
               </a:rPr>
               <a:t>Click to edit Master text styles</a:t>
             </a:r>
-            <a:endParaRPr lang="zh-CN" altLang="en-US" dirty="0">
-              <a:sym typeface="+mn-ea"/>
-            </a:endParaRPr>
           </a:p>
           <a:p>
             <a:pPr lvl="1"/>
@@ -1787,7 +1781,6 @@
               <a:rPr lang="zh-CN" altLang="en-US" dirty="0"/>
               <a:t>Second level</a:t>
             </a:r>
-            <a:endParaRPr lang="zh-CN" altLang="en-US" dirty="0"/>
           </a:p>
           <a:p>
             <a:pPr lvl="2"/>
@@ -1795,7 +1788,6 @@
               <a:rPr lang="zh-CN" altLang="en-US" dirty="0"/>
               <a:t>Third level</a:t>
             </a:r>
-            <a:endParaRPr lang="zh-CN" altLang="en-US" dirty="0"/>
           </a:p>
           <a:p>
             <a:pPr lvl="3"/>
@@ -1803,7 +1795,6 @@
               <a:rPr lang="zh-CN" altLang="en-US" dirty="0"/>
               <a:t>Fourth level</a:t>
             </a:r>
-            <a:endParaRPr lang="zh-CN" altLang="en-US" dirty="0"/>
           </a:p>
           <a:p>
             <a:pPr lvl="4"/>
@@ -1811,7 +1802,6 @@
               <a:rPr lang="zh-CN" altLang="en-US" dirty="0"/>
               <a:t>Fifth level</a:t>
             </a:r>
-            <a:endParaRPr lang="zh-CN" altLang="en-US" dirty="0"/>
           </a:p>
         </p:txBody>
       </p:sp>
@@ -1832,6 +1822,7 @@
           <a:p>
             <a:fld id="{760FBDFE-C587-4B4C-A407-44438C67B59E}" type="datetimeFigureOut">
               <a:rPr lang="zh-CN" altLang="en-US" smtClean="0"/>
+              <a:t>2023/5/18</a:t>
             </a:fld>
             <a:endParaRPr lang="zh-CN" altLang="en-US"/>
           </a:p>
@@ -1873,6 +1864,7 @@
           <a:p>
             <a:fld id="{49AE70B2-8BF9-45C0-BB95-33D1B9D3A854}" type="slidenum">
               <a:rPr lang="zh-CN" altLang="en-US" smtClean="0"/>
+              <a:t>‹#›</a:t>
             </a:fld>
             <a:endParaRPr lang="zh-CN" altLang="en-US"/>
           </a:p>
@@ -1927,7 +1919,6 @@
               <a:rPr lang="zh-CN" altLang="en-US"/>
               <a:t>Click to edit Master title style</a:t>
             </a:r>
-            <a:endParaRPr lang="zh-CN" altLang="en-US"/>
           </a:p>
         </p:txBody>
       </p:sp>
@@ -1995,9 +1986,6 @@
               </a:rPr>
               <a:t>Click to edit Master text styles</a:t>
             </a:r>
-            <a:endParaRPr lang="zh-CN" altLang="en-US" dirty="0">
-              <a:sym typeface="+mn-ea"/>
-            </a:endParaRPr>
           </a:p>
         </p:txBody>
       </p:sp>
@@ -2028,9 +2016,6 @@
               </a:rPr>
               <a:t>Click to edit Master text styles</a:t>
             </a:r>
-            <a:endParaRPr lang="zh-CN" altLang="en-US" dirty="0">
-              <a:sym typeface="+mn-ea"/>
-            </a:endParaRPr>
           </a:p>
           <a:p>
             <a:pPr lvl="1"/>
@@ -2038,7 +2023,6 @@
               <a:rPr lang="zh-CN" altLang="en-US" dirty="0"/>
               <a:t>Second level</a:t>
             </a:r>
-            <a:endParaRPr lang="zh-CN" altLang="en-US" dirty="0"/>
           </a:p>
           <a:p>
             <a:pPr lvl="2"/>
@@ -2046,7 +2030,6 @@
               <a:rPr lang="zh-CN" altLang="en-US" dirty="0"/>
               <a:t>Third level</a:t>
             </a:r>
-            <a:endParaRPr lang="zh-CN" altLang="en-US" dirty="0"/>
           </a:p>
           <a:p>
             <a:pPr lvl="3"/>
@@ -2054,7 +2037,6 @@
               <a:rPr lang="zh-CN" altLang="en-US" dirty="0"/>
               <a:t>Fourth level</a:t>
             </a:r>
-            <a:endParaRPr lang="zh-CN" altLang="en-US" dirty="0"/>
           </a:p>
           <a:p>
             <a:pPr lvl="4"/>
@@ -2062,7 +2044,6 @@
               <a:rPr lang="zh-CN" altLang="en-US" dirty="0"/>
               <a:t>Fifth level</a:t>
             </a:r>
-            <a:endParaRPr lang="zh-CN" altLang="en-US" dirty="0"/>
           </a:p>
         </p:txBody>
       </p:sp>
@@ -2130,9 +2111,6 @@
               </a:rPr>
               <a:t>Click to edit Master text styles</a:t>
             </a:r>
-            <a:endParaRPr lang="zh-CN" altLang="en-US" dirty="0">
-              <a:sym typeface="+mn-ea"/>
-            </a:endParaRPr>
           </a:p>
         </p:txBody>
       </p:sp>
@@ -2163,9 +2141,6 @@
               </a:rPr>
               <a:t>Click to edit Master text styles</a:t>
             </a:r>
-            <a:endParaRPr lang="zh-CN" altLang="en-US" dirty="0">
-              <a:sym typeface="+mn-ea"/>
-            </a:endParaRPr>
           </a:p>
           <a:p>
             <a:pPr lvl="1"/>
@@ -2173,7 +2148,6 @@
               <a:rPr lang="zh-CN" altLang="en-US" dirty="0"/>
               <a:t>Second level</a:t>
             </a:r>
-            <a:endParaRPr lang="zh-CN" altLang="en-US" dirty="0"/>
           </a:p>
           <a:p>
             <a:pPr lvl="2"/>
@@ -2181,7 +2155,6 @@
               <a:rPr lang="zh-CN" altLang="en-US" dirty="0"/>
               <a:t>Third level</a:t>
             </a:r>
-            <a:endParaRPr lang="zh-CN" altLang="en-US" dirty="0"/>
           </a:p>
           <a:p>
             <a:pPr lvl="3"/>
@@ -2189,7 +2162,6 @@
               <a:rPr lang="zh-CN" altLang="en-US" dirty="0"/>
               <a:t>Fourth level</a:t>
             </a:r>
-            <a:endParaRPr lang="zh-CN" altLang="en-US" dirty="0"/>
           </a:p>
           <a:p>
             <a:pPr lvl="4"/>
@@ -2197,7 +2169,6 @@
               <a:rPr lang="zh-CN" altLang="en-US" dirty="0"/>
               <a:t>Fifth level</a:t>
             </a:r>
-            <a:endParaRPr lang="zh-CN" altLang="en-US" dirty="0"/>
           </a:p>
         </p:txBody>
       </p:sp>
@@ -2218,6 +2189,7 @@
           <a:p>
             <a:fld id="{760FBDFE-C587-4B4C-A407-44438C67B59E}" type="datetimeFigureOut">
               <a:rPr lang="zh-CN" altLang="en-US" smtClean="0"/>
+              <a:t>2023/5/18</a:t>
             </a:fld>
             <a:endParaRPr lang="zh-CN" altLang="en-US"/>
           </a:p>
@@ -2259,6 +2231,7 @@
           <a:p>
             <a:fld id="{49AE70B2-8BF9-45C0-BB95-33D1B9D3A854}" type="slidenum">
               <a:rPr lang="zh-CN" altLang="en-US" smtClean="0"/>
+              <a:t>‹#›</a:t>
             </a:fld>
             <a:endParaRPr lang="zh-CN" altLang="en-US"/>
           </a:p>
@@ -2327,7 +2300,6 @@
               <a:rPr lang="zh-CN" altLang="en-US" dirty="0"/>
               <a:t>Click to edit Master title style</a:t>
             </a:r>
-            <a:endParaRPr lang="zh-CN" altLang="en-US" dirty="0"/>
           </a:p>
         </p:txBody>
       </p:sp>
@@ -2348,6 +2320,7 @@
           <a:p>
             <a:fld id="{760FBDFE-C587-4B4C-A407-44438C67B59E}" type="datetimeFigureOut">
               <a:rPr lang="zh-CN" altLang="en-US" smtClean="0"/>
+              <a:t>2023/5/18</a:t>
             </a:fld>
             <a:endParaRPr lang="zh-CN" altLang="en-US"/>
           </a:p>
@@ -2389,6 +2362,7 @@
           <a:p>
             <a:fld id="{49AE70B2-8BF9-45C0-BB95-33D1B9D3A854}" type="slidenum">
               <a:rPr lang="zh-CN" altLang="en-US" smtClean="0"/>
+              <a:t>‹#›</a:t>
             </a:fld>
             <a:endParaRPr lang="zh-CN" altLang="en-US"/>
           </a:p>
@@ -2436,6 +2410,7 @@
           <a:p>
             <a:fld id="{760FBDFE-C587-4B4C-A407-44438C67B59E}" type="datetimeFigureOut">
               <a:rPr lang="zh-CN" altLang="en-US" smtClean="0"/>
+              <a:t>2023/5/18</a:t>
             </a:fld>
             <a:endParaRPr lang="zh-CN" altLang="en-US"/>
           </a:p>
@@ -2477,6 +2452,7 @@
           <a:p>
             <a:fld id="{49AE70B2-8BF9-45C0-BB95-33D1B9D3A854}" type="slidenum">
               <a:rPr lang="zh-CN" altLang="en-US" smtClean="0"/>
+              <a:t>‹#›</a:t>
             </a:fld>
             <a:endParaRPr lang="zh-CN" altLang="en-US"/>
           </a:p>
@@ -2547,9 +2523,6 @@
               </a:rPr>
               <a:t>Click to edit Master title style</a:t>
             </a:r>
-            <a:endParaRPr lang="zh-CN" altLang="en-US" dirty="0">
-              <a:sym typeface="+mn-ea"/>
-            </a:endParaRPr>
           </a:p>
         </p:txBody>
       </p:sp>
@@ -2681,7 +2654,6 @@
               <a:rPr lang="zh-CN" altLang="en-US" dirty="0"/>
               <a:t>Click to edit Master text styles</a:t>
             </a:r>
-            <a:endParaRPr lang="zh-CN" altLang="en-US" dirty="0"/>
           </a:p>
         </p:txBody>
       </p:sp>
@@ -2702,6 +2674,7 @@
           <a:p>
             <a:fld id="{9EFD9D74-47D9-4702-A33C-335B63B48DBF}" type="datetimeFigureOut">
               <a:rPr lang="zh-CN" altLang="en-US" smtClean="0"/>
+              <a:t>2023/5/18</a:t>
             </a:fld>
             <a:endParaRPr lang="zh-CN" altLang="en-US" dirty="0"/>
           </a:p>
@@ -2743,6 +2716,7 @@
           <a:p>
             <a:fld id="{FABC47A4-756D-490B-A52F-7D9E2C9FC05F}" type="slidenum">
               <a:rPr lang="zh-CN" altLang="en-US" smtClean="0"/>
+              <a:t>‹#›</a:t>
             </a:fld>
             <a:endParaRPr lang="zh-CN" altLang="en-US"/>
           </a:p>
@@ -2833,7 +2807,6 @@
               <a:rPr lang="zh-CN" altLang="en-US"/>
               <a:t>Click to edit Master title style</a:t>
             </a:r>
-            <a:endParaRPr lang="zh-CN" altLang="en-US"/>
           </a:p>
         </p:txBody>
       </p:sp>
@@ -2864,9 +2837,6 @@
               </a:rPr>
               <a:t>Click to edit Master text styles</a:t>
             </a:r>
-            <a:endParaRPr lang="zh-CN" altLang="en-US" dirty="0">
-              <a:sym typeface="+mn-ea"/>
-            </a:endParaRPr>
           </a:p>
           <a:p>
             <a:pPr lvl="1"/>
@@ -2874,7 +2844,6 @@
               <a:rPr lang="zh-CN" altLang="en-US" dirty="0"/>
               <a:t>Second level</a:t>
             </a:r>
-            <a:endParaRPr lang="zh-CN" altLang="en-US" dirty="0"/>
           </a:p>
           <a:p>
             <a:pPr lvl="2"/>
@@ -2882,7 +2851,6 @@
               <a:rPr lang="zh-CN" altLang="en-US" dirty="0"/>
               <a:t>Third level</a:t>
             </a:r>
-            <a:endParaRPr lang="zh-CN" altLang="en-US" dirty="0"/>
           </a:p>
           <a:p>
             <a:pPr lvl="3"/>
@@ -2890,7 +2858,6 @@
               <a:rPr lang="zh-CN" altLang="en-US" dirty="0"/>
               <a:t>Fourth level</a:t>
             </a:r>
-            <a:endParaRPr lang="zh-CN" altLang="en-US" dirty="0"/>
           </a:p>
           <a:p>
             <a:pPr lvl="4"/>
@@ -2898,7 +2865,6 @@
               <a:rPr lang="zh-CN" altLang="en-US" dirty="0"/>
               <a:t>Fifth level</a:t>
             </a:r>
-            <a:endParaRPr lang="zh-CN" altLang="en-US" dirty="0"/>
           </a:p>
         </p:txBody>
       </p:sp>
@@ -2919,6 +2885,7 @@
           <a:p>
             <a:fld id="{760FBDFE-C587-4B4C-A407-44438C67B59E}" type="datetimeFigureOut">
               <a:rPr lang="zh-CN" altLang="en-US" smtClean="0"/>
+              <a:t>2023/5/18</a:t>
             </a:fld>
             <a:endParaRPr lang="zh-CN" altLang="en-US"/>
           </a:p>
@@ -2960,6 +2927,7 @@
           <a:p>
             <a:fld id="{49AE70B2-8BF9-45C0-BB95-33D1B9D3A854}" type="slidenum">
               <a:rPr lang="zh-CN" altLang="en-US" smtClean="0"/>
+              <a:t>‹#›</a:t>
             </a:fld>
             <a:endParaRPr lang="zh-CN" altLang="en-US"/>
           </a:p>
@@ -3027,7 +2995,6 @@
               <a:rPr lang="zh-CN" altLang="en-US" dirty="0"/>
               <a:t>Click to edit Master title style</a:t>
             </a:r>
-            <a:endParaRPr lang="zh-CN" altLang="en-US" dirty="0"/>
           </a:p>
         </p:txBody>
       </p:sp>
@@ -3063,9 +3030,6 @@
               </a:rPr>
               <a:t>Click to edit Master text styles</a:t>
             </a:r>
-            <a:endParaRPr lang="zh-CN" altLang="en-US" dirty="0">
-              <a:sym typeface="+mn-ea"/>
-            </a:endParaRPr>
           </a:p>
           <a:p>
             <a:pPr lvl="1"/>
@@ -3073,7 +3037,6 @@
               <a:rPr lang="zh-CN" altLang="en-US" dirty="0"/>
               <a:t>Second level</a:t>
             </a:r>
-            <a:endParaRPr lang="zh-CN" altLang="en-US" dirty="0"/>
           </a:p>
           <a:p>
             <a:pPr lvl="2"/>
@@ -3081,7 +3044,6 @@
               <a:rPr lang="zh-CN" altLang="en-US" dirty="0"/>
               <a:t>Third level</a:t>
             </a:r>
-            <a:endParaRPr lang="zh-CN" altLang="en-US" dirty="0"/>
           </a:p>
           <a:p>
             <a:pPr lvl="3"/>
@@ -3089,7 +3051,6 @@
               <a:rPr lang="zh-CN" altLang="en-US" dirty="0"/>
               <a:t>Fourth level</a:t>
             </a:r>
-            <a:endParaRPr lang="zh-CN" altLang="en-US" dirty="0"/>
           </a:p>
           <a:p>
             <a:pPr lvl="4"/>
@@ -3097,7 +3058,6 @@
               <a:rPr lang="zh-CN" altLang="en-US" dirty="0"/>
               <a:t>Fifth level</a:t>
             </a:r>
-            <a:endParaRPr lang="zh-CN" altLang="en-US" dirty="0"/>
           </a:p>
         </p:txBody>
       </p:sp>
@@ -3138,6 +3098,7 @@
           <a:p>
             <a:fld id="{760FBDFE-C587-4B4C-A407-44438C67B59E}" type="datetimeFigureOut">
               <a:rPr lang="zh-CN" altLang="en-US" smtClean="0"/>
+              <a:t>2023/5/18</a:t>
             </a:fld>
             <a:endParaRPr lang="zh-CN" altLang="en-US"/>
           </a:p>
@@ -3219,6 +3180,7 @@
           <a:p>
             <a:fld id="{49AE70B2-8BF9-45C0-BB95-33D1B9D3A854}" type="slidenum">
               <a:rPr lang="zh-CN" altLang="en-US" smtClean="0"/>
+              <a:t>‹#›</a:t>
             </a:fld>
             <a:endParaRPr lang="zh-CN" altLang="en-US"/>
           </a:p>
@@ -3531,7 +3493,14 @@
         <p:cNvGrpSpPr/>
         <p:nvPr/>
       </p:nvGrpSpPr>
-      <p:grpSpPr/>
+      <p:grpSpPr>
+        <a:xfrm>
+          <a:off x="0" y="0"/>
+          <a:ext cx="0" cy="0"/>
+          <a:chOff x="0" y="0"/>
+          <a:chExt cx="0" cy="0"/>
+        </a:xfrm>
+      </p:grpSpPr>
       <p:sp>
         <p:nvSpPr>
           <p:cNvPr id="2" name="Title 1"/>
@@ -3545,12 +3514,11 @@
         <p:spPr/>
         <p:txBody>
           <a:bodyPr/>
-          <a:p>
-            <a:r>
-              <a:rPr lang="fr-FR" altLang="en-US"/>
+          <a:lstStyle/>
+          <a:p>
+            <a:r>
               <a:t>Python Template</a:t>
             </a:r>
-            <a:endParaRPr lang="fr-FR" altLang="en-US"/>
           </a:p>
         </p:txBody>
       </p:sp>
@@ -3567,12 +3535,11 @@
         <p:spPr/>
         <p:txBody>
           <a:bodyPr/>
-          <a:p>
-            <a:r>
-              <a:rPr lang="fr-FR" altLang="en-US"/>
-              <a:t>Hello John</a:t>
-            </a:r>
-            <a:endParaRPr lang="fr-FR" altLang="en-US"/>
+          <a:lstStyle/>
+          <a:p>
+            <a:r>
+              <a:t>Hello  John</a:t>
+            </a:r>
           </a:p>
         </p:txBody>
       </p:sp>
@@ -3593,7 +3560,14 @@
         <p:cNvGrpSpPr/>
         <p:nvPr/>
       </p:nvGrpSpPr>
-      <p:grpSpPr/>
+      <p:grpSpPr>
+        <a:xfrm>
+          <a:off x="0" y="0"/>
+          <a:ext cx="0" cy="0"/>
+          <a:chOff x="0" y="0"/>
+          <a:chExt cx="0" cy="0"/>
+        </a:xfrm>
+      </p:grpSpPr>
       <p:sp>
         <p:nvSpPr>
           <p:cNvPr id="2" name="Title 1"/>
@@ -3607,25 +3581,24 @@
         <p:spPr/>
         <p:txBody>
           <a:bodyPr/>
-          <a:p>
-            <a:r>
-              <a:rPr lang="fr-FR" altLang="en-US"/>
+          <a:lstStyle/>
+          <a:p>
+            <a:r>
               <a:t>How many snake? 3 snakes</a:t>
             </a:r>
-            <a:endParaRPr lang="fr-FR" altLang="en-US"/>
           </a:p>
         </p:txBody>
       </p:sp>
       <p:pic>
         <p:nvPicPr>
-          <p:cNvPr id="4" name="Picture 3" descr="model"/>
+          <p:cNvPr id="4" name="p1" descr="model"/>
           <p:cNvPicPr>
             <a:picLocks noChangeAspect="1"/>
           </p:cNvPicPr>
           <p:nvPr/>
         </p:nvPicPr>
         <p:blipFill>
-          <a:blip r:embed="rId1"/>
+          <a:blip r:embed="rId2"/>
           <a:stretch>
             <a:fillRect/>
           </a:stretch>
@@ -3642,14 +3615,14 @@
       </p:pic>
       <p:pic>
         <p:nvPicPr>
-          <p:cNvPr id="5" name="Picture 4" descr="model"/>
+          <p:cNvPr id="5" name="p2" descr="model"/>
           <p:cNvPicPr>
             <a:picLocks noChangeAspect="1"/>
           </p:cNvPicPr>
           <p:nvPr/>
         </p:nvPicPr>
         <p:blipFill>
-          <a:blip r:embed="rId1"/>
+          <a:blip r:embed="rId2"/>
           <a:stretch>
             <a:fillRect/>
           </a:stretch>
@@ -3666,14 +3639,14 @@
       </p:pic>
       <p:pic>
         <p:nvPicPr>
-          <p:cNvPr id="6" name="Picture 5" descr="model"/>
+          <p:cNvPr id="6" name="p3" descr="model"/>
           <p:cNvPicPr>
             <a:picLocks noChangeAspect="1"/>
           </p:cNvPicPr>
           <p:nvPr/>
         </p:nvPicPr>
         <p:blipFill>
-          <a:blip r:embed="rId1"/>
+          <a:blip r:embed="rId2"/>
           <a:stretch>
             <a:fillRect/>
           </a:stretch>
@@ -3705,7 +3678,14 @@
         <p:cNvGrpSpPr/>
         <p:nvPr/>
       </p:nvGrpSpPr>
-      <p:grpSpPr/>
+      <p:grpSpPr>
+        <a:xfrm>
+          <a:off x="0" y="0"/>
+          <a:ext cx="0" cy="0"/>
+          <a:chOff x="0" y="0"/>
+          <a:chExt cx="0" cy="0"/>
+        </a:xfrm>
+      </p:grpSpPr>
       <p:sp>
         <p:nvSpPr>
           <p:cNvPr id="2" name="Title 1"/>
@@ -3719,12 +3699,11 @@
         <p:spPr/>
         <p:txBody>
           <a:bodyPr/>
-          <a:p>
-            <a:r>
-              <a:rPr lang="fr-FR" altLang="en-US"/>
+          <a:lstStyle/>
+          <a:p>
+            <a:r>
               <a:t>Method</a:t>
             </a:r>
-            <a:endParaRPr lang="fr-FR" altLang="en-US"/>
           </a:p>
         </p:txBody>
       </p:sp>
@@ -3741,54 +3720,29 @@
         <p:spPr/>
         <p:txBody>
           <a:bodyPr/>
-          <a:p>
-            <a:r>
-              <a:rPr lang="fr-FR" altLang="en-US"/>
-              <a:t>step 1: analysis</a:t>
-            </a:r>
-            <a:endParaRPr lang="fr-FR" altLang="en-US"/>
-          </a:p>
-          <a:p>
-            <a:pPr marL="0" indent="0">
-              <a:buNone/>
-            </a:pPr>
-            <a:endParaRPr lang="fr-FR" altLang="en-US"/>
-          </a:p>
-          <a:p>
-            <a:r>
-              <a:rPr lang="fr-FR" altLang="en-US">
-                <a:sym typeface="+mn-ea"/>
-              </a:rPr>
-              <a:t>step 1: design</a:t>
-            </a:r>
-            <a:endParaRPr lang="fr-FR" altLang="en-US"/>
-          </a:p>
-          <a:p>
-            <a:endParaRPr lang="fr-FR" altLang="en-US"/>
-          </a:p>
-          <a:p>
-            <a:r>
-              <a:rPr lang="fr-FR" altLang="en-US">
-                <a:sym typeface="+mn-ea"/>
-              </a:rPr>
-              <a:t>step 1: production</a:t>
-            </a:r>
-            <a:endParaRPr lang="fr-FR" altLang="en-US"/>
-          </a:p>
-          <a:p>
-            <a:endParaRPr lang="fr-FR" altLang="en-US"/>
-          </a:p>
-          <a:p>
-            <a:r>
-              <a:rPr lang="fr-FR" altLang="en-US">
-                <a:sym typeface="+mn-ea"/>
-              </a:rPr>
-              <a:t>step 1: {{ step[3].name }}</a:t>
-            </a:r>
-            <a:endParaRPr lang="fr-FR" altLang="en-US"/>
-          </a:p>
-          <a:p>
-            <a:endParaRPr lang="fr-FR" altLang="en-US"/>
+          <a:lstStyle/>
+          <a:p>
+            <a:r>
+              <a:t>step 1: analysis </a:t>
+            </a:r>
+          </a:p>
+          <a:p/>
+          <a:p>
+            <a:r>
+              <a:t>step 1: design </a:t>
+            </a:r>
+          </a:p>
+          <a:p/>
+          <a:p>
+            <a:r>
+              <a:t>step 1: production </a:t>
+            </a:r>
+          </a:p>
+          <a:p/>
+          <a:p>
+            <a:r>
+              <a:t>step 1: test</a:t>
+            </a:r>
           </a:p>
         </p:txBody>
       </p:sp>
@@ -3809,7 +3763,14 @@
         <p:cNvGrpSpPr/>
         <p:nvPr/>
       </p:nvGrpSpPr>
-      <p:grpSpPr/>
+      <p:grpSpPr>
+        <a:xfrm>
+          <a:off x="0" y="0"/>
+          <a:ext cx="0" cy="0"/>
+          <a:chOff x="0" y="0"/>
+          <a:chExt cx="0" cy="0"/>
+        </a:xfrm>
+      </p:grpSpPr>
       <p:sp>
         <p:nvSpPr>
           <p:cNvPr id="2" name="Title 1"/>
@@ -3823,24 +3784,30 @@
         <p:spPr/>
         <p:txBody>
           <a:bodyPr/>
-          <a:p>
-            <a:r>
-              <a:rPr lang="fr-FR" altLang="en-US"/>
+          <a:lstStyle/>
+          <a:p>
+            <a:r>
               <a:t>Table</a:t>
             </a:r>
-            <a:endParaRPr lang="fr-FR" altLang="en-US"/>
           </a:p>
         </p:txBody>
       </p:sp>
       <p:graphicFrame>
         <p:nvGraphicFramePr>
           <p:cNvPr id="4" name="Content Placeholder 3"/>
-          <p:cNvGraphicFramePr/>
+          <p:cNvGraphicFramePr>
+            <a:graphicFrameLocks noGrp="1"/>
+          </p:cNvGraphicFramePr>
           <p:nvPr>
             <p:ph idx="1"/>
             <p:custDataLst>
               <p:tags r:id="rId1"/>
             </p:custDataLst>
+            <p:extLst>
+              <p:ext uri="{D42A27DB-BD31-4B8C-83A1-F6EECF244321}">
+                <p14:modId xmlns:p14="http://schemas.microsoft.com/office/powerpoint/2010/main" val="1101458864"/>
+              </p:ext>
+            </p:extLst>
           </p:nvPr>
         </p:nvGraphicFramePr>
         <p:xfrm>
@@ -3854,22 +3821,30 @@
                 <a:tableStyleId>{5C22544A-7EE6-4342-B048-85BDC9FD1C3A}</a:tableStyleId>
               </a:tblPr>
               <a:tblGrid>
-                <a:gridCol w="5257800"/>
-                <a:gridCol w="5257800"/>
+                <a:gridCol w="5257800">
+                  <a:extLst>
+                    <a:ext uri="{9D8B030D-6E8A-4147-A177-3AD203B41FA5}">
+                      <a16:colId xmlns:a16="http://schemas.microsoft.com/office/drawing/2014/main" val="20000"/>
+                    </a:ext>
+                  </a:extLst>
+                </a:gridCol>
+                <a:gridCol w="5257800">
+                  <a:extLst>
+                    <a:ext uri="{9D8B030D-6E8A-4147-A177-3AD203B41FA5}">
+                      <a16:colId xmlns:a16="http://schemas.microsoft.com/office/drawing/2014/main" val="20001"/>
+                    </a:ext>
+                  </a:extLst>
+                </a:gridCol>
               </a:tblGrid>
               <a:tr h="381000">
                 <a:tc>
                   <a:txBody>
                     <a:bodyPr/>
+                    <a:lstStyle/>
                     <a:p>
-                      <a:pPr>
-                        <a:buNone/>
-                      </a:pPr>
                       <a:r>
-                        <a:rPr lang="fr-FR" altLang="en-US"/>
                         <a:t>Name</a:t>
                       </a:r>
-                      <a:endParaRPr lang="fr-FR" altLang="en-US"/>
                     </a:p>
                   </a:txBody>
                   <a:tcPr/>
@@ -3877,33 +3852,30 @@
                 <a:tc>
                   <a:txBody>
                     <a:bodyPr/>
+                    <a:lstStyle/>
                     <a:p>
-                      <a:pPr>
-                        <a:buNone/>
-                      </a:pPr>
                       <a:r>
-                        <a:rPr lang="fr-FR" altLang="en-US"/>
                         <a:t>Size</a:t>
                       </a:r>
-                      <a:endParaRPr lang="fr-FR" altLang="en-US"/>
                     </a:p>
                   </a:txBody>
                   <a:tcPr/>
                 </a:tc>
+                <a:extLst>
+                  <a:ext uri="{0D108BD9-81ED-4DB2-BD59-A6C34878D82A}">
+                    <a16:rowId xmlns:a16="http://schemas.microsoft.com/office/drawing/2014/main" val="10000"/>
+                  </a:ext>
+                </a:extLst>
               </a:tr>
               <a:tr h="381000">
                 <a:tc>
                   <a:txBody>
                     <a:bodyPr/>
+                    <a:lstStyle/>
                     <a:p>
-                      <a:pPr>
-                        <a:buNone/>
-                      </a:pPr>
                       <a:r>
-                        <a:rPr lang="en-US"/>
-                        <a:t>Leptotyphlops carlae</a:t>
+                        <a:t>Leptotyphlops  carlae</a:t>
                       </a:r>
-                      <a:endParaRPr lang="en-US"/>
                     </a:p>
                   </a:txBody>
                   <a:tcPr/>
@@ -3911,33 +3883,30 @@
                 <a:tc>
                   <a:txBody>
                     <a:bodyPr/>
+                    <a:lstStyle/>
                     <a:p>
-                      <a:pPr>
-                        <a:buNone/>
-                      </a:pPr>
                       <a:r>
-                        <a:rPr lang="fr-FR" altLang="en-US"/>
                         <a:t>10</a:t>
                       </a:r>
-                      <a:endParaRPr lang="fr-FR" altLang="en-US"/>
                     </a:p>
                   </a:txBody>
                   <a:tcPr/>
                 </a:tc>
+                <a:extLst>
+                  <a:ext uri="{0D108BD9-81ED-4DB2-BD59-A6C34878D82A}">
+                    <a16:rowId xmlns:a16="http://schemas.microsoft.com/office/drawing/2014/main" val="10001"/>
+                  </a:ext>
+                </a:extLst>
               </a:tr>
               <a:tr h="381000">
                 <a:tc>
                   <a:txBody>
                     <a:bodyPr/>
+                    <a:lstStyle/>
                     <a:p>
-                      <a:pPr>
-                        <a:buNone/>
-                      </a:pPr>
                       <a:r>
-                        <a:rPr lang="en-US"/>
-                        <a:t>Reticulated Pythons</a:t>
+                        <a:t>Reticulated  Pythons</a:t>
                       </a:r>
-                      <a:endParaRPr lang="en-US"/>
                     </a:p>
                   </a:txBody>
                   <a:tcPr/>
@@ -3945,19 +3914,20 @@
                 <a:tc>
                   <a:txBody>
                     <a:bodyPr/>
+                    <a:lstStyle/>
                     <a:p>
-                      <a:pPr>
-                        <a:buNone/>
-                      </a:pPr>
                       <a:r>
-                        <a:rPr lang="fr-FR" altLang="en-US"/>
                         <a:t>9000</a:t>
                       </a:r>
-                      <a:endParaRPr lang="fr-FR" altLang="en-US"/>
                     </a:p>
                   </a:txBody>
                   <a:tcPr/>
                 </a:tc>
+                <a:extLst>
+                  <a:ext uri="{0D108BD9-81ED-4DB2-BD59-A6C34878D82A}">
+                    <a16:rowId xmlns:a16="http://schemas.microsoft.com/office/drawing/2014/main" val="10002"/>
+                  </a:ext>
+                </a:extLst>
               </a:tr>
             </a:tbl>
           </a:graphicData>
@@ -3972,7 +3942,7 @@
 </file>
 
 <file path=ppt/tags/tag1.xml><?xml version="1.0" encoding="utf-8"?>
-<p:tagLst xmlns:p="http://schemas.openxmlformats.org/presentationml/2006/main">
+<p:tagLst xmlns:a="http://schemas.openxmlformats.org/drawingml/2006/main" xmlns:r="http://schemas.openxmlformats.org/officeDocument/2006/relationships" xmlns:p="http://schemas.openxmlformats.org/presentationml/2006/main">
   <p:tag name="KSO_WM_UNIT_TABLE_BEAUTIFY" val="smartTable{5f380890-b3d8-4456-9dbd-c5c8bb222d6f}"/>
 </p:tagLst>
 </file>
@@ -4228,6 +4198,8 @@
       </a:bgFillStyleLst>
     </a:fmtScheme>
   </a:themeElements>
+  <a:objectDefaults/>
+  <a:extraClrSchemeLst/>
   <a:extLst>
     <a:ext uri="{05A4C25C-085E-4340-85A3-A5531E510DB2}">
       <thm15:themeFamily xmlns:thm15="http://schemas.microsoft.com/office/thememl/2012/main" name="Office Theme" id="{62F939B6-93AF-4DB8-9C6B-D6C7DFDC589F}" vid="{4A3C46E8-61CC-4603-A589-7422A47A8E4A}"/>
@@ -4487,6 +4459,8 @@
       </a:bgFillStyleLst>
     </a:fmtScheme>
   </a:themeElements>
+  <a:objectDefaults/>
+  <a:extraClrSchemeLst/>
   <a:extLst>
     <a:ext uri="{05A4C25C-085E-4340-85A3-A5531E510DB2}">
       <thm15:themeFamily xmlns:thm15="http://schemas.microsoft.com/office/thememl/2012/main" name="Office Theme" id="{62F939B6-93AF-4DB8-9C6B-D6C7DFDC589F}" vid="{4A3C46E8-61CC-4603-A589-7422A47A8E4A}"/>
@@ -4746,6 +4720,8 @@
       </a:bgFillStyleLst>
     </a:fmtScheme>
   </a:themeElements>
+  <a:objectDefaults/>
+  <a:extraClrSchemeLst/>
   <a:extLst>
     <a:ext uri="{05A4C25C-085E-4340-85A3-A5531E510DB2}">
       <thm15:themeFamily xmlns:thm15="http://schemas.microsoft.com/office/thememl/2012/main" name="Office Theme" id="{62F939B6-93AF-4DB8-9C6B-D6C7DFDC589F}" vid="{4A3C46E8-61CC-4603-A589-7422A47A8E4A}"/>

--- a/example/presentation_generated.pptx
+++ b/example/presentation_generated.pptx
@@ -214,7 +214,7 @@
           <a:p>
             <a:fld id="{0F9B84EA-7D68-4D60-9CB1-D50884785D1C}" type="datetimeFigureOut">
               <a:rPr lang="zh-CN" altLang="en-US" smtClean="0"/>
-              <a:t>2023/5/18</a:t>
+              <a:t>2023/5/19</a:t>
             </a:fld>
             <a:endParaRPr lang="zh-CN" altLang="en-US"/>
           </a:p>
@@ -379,7 +379,7 @@
           <a:p>
             <a:fld id="{D6C8D182-E4C8-4120-9249-FC9774456FFA}" type="datetimeFigureOut">
               <a:rPr lang="zh-CN" altLang="en-US" smtClean="0"/>
-              <a:t>2023/5/18</a:t>
+              <a:t>2023/5/19</a:t>
             </a:fld>
             <a:endParaRPr lang="zh-CN" altLang="en-US"/>
           </a:p>
@@ -721,7 +721,7 @@
           <a:p>
             <a:fld id="{760FBDFE-C587-4B4C-A407-44438C67B59E}" type="datetimeFigureOut">
               <a:rPr lang="zh-CN" altLang="en-US" smtClean="0"/>
-              <a:t>2023/5/18</a:t>
+              <a:t>2023/5/19</a:t>
             </a:fld>
             <a:endParaRPr lang="zh-CN" altLang="en-US"/>
           </a:p>
@@ -887,7 +887,7 @@
           <a:p>
             <a:fld id="{760FBDFE-C587-4B4C-A407-44438C67B59E}" type="datetimeFigureOut">
               <a:rPr lang="zh-CN" altLang="en-US" smtClean="0"/>
-              <a:t>2023/5/18</a:t>
+              <a:t>2023/5/19</a:t>
             </a:fld>
             <a:endParaRPr lang="zh-CN" altLang="en-US"/>
           </a:p>
@@ -1187,7 +1187,7 @@
           <a:p>
             <a:fld id="{760FBDFE-C587-4B4C-A407-44438C67B59E}" type="datetimeFigureOut">
               <a:rPr lang="zh-CN" altLang="en-US" smtClean="0"/>
-              <a:t>2023/5/18</a:t>
+              <a:t>2023/5/19</a:t>
             </a:fld>
             <a:endParaRPr lang="zh-CN" altLang="en-US"/>
           </a:p>
@@ -1439,7 +1439,7 @@
           <a:p>
             <a:fld id="{760FBDFE-C587-4B4C-A407-44438C67B59E}" type="datetimeFigureOut">
               <a:rPr lang="zh-CN" altLang="en-US" smtClean="0"/>
-              <a:t>2023/5/18</a:t>
+              <a:t>2023/5/19</a:t>
             </a:fld>
             <a:endParaRPr lang="zh-CN" altLang="en-US"/>
           </a:p>
@@ -1822,7 +1822,7 @@
           <a:p>
             <a:fld id="{760FBDFE-C587-4B4C-A407-44438C67B59E}" type="datetimeFigureOut">
               <a:rPr lang="zh-CN" altLang="en-US" smtClean="0"/>
-              <a:t>2023/5/18</a:t>
+              <a:t>2023/5/19</a:t>
             </a:fld>
             <a:endParaRPr lang="zh-CN" altLang="en-US"/>
           </a:p>
@@ -2189,7 +2189,7 @@
           <a:p>
             <a:fld id="{760FBDFE-C587-4B4C-A407-44438C67B59E}" type="datetimeFigureOut">
               <a:rPr lang="zh-CN" altLang="en-US" smtClean="0"/>
-              <a:t>2023/5/18</a:t>
+              <a:t>2023/5/19</a:t>
             </a:fld>
             <a:endParaRPr lang="zh-CN" altLang="en-US"/>
           </a:p>
@@ -2320,7 +2320,7 @@
           <a:p>
             <a:fld id="{760FBDFE-C587-4B4C-A407-44438C67B59E}" type="datetimeFigureOut">
               <a:rPr lang="zh-CN" altLang="en-US" smtClean="0"/>
-              <a:t>2023/5/18</a:t>
+              <a:t>2023/5/19</a:t>
             </a:fld>
             <a:endParaRPr lang="zh-CN" altLang="en-US"/>
           </a:p>
@@ -2410,7 +2410,7 @@
           <a:p>
             <a:fld id="{760FBDFE-C587-4B4C-A407-44438C67B59E}" type="datetimeFigureOut">
               <a:rPr lang="zh-CN" altLang="en-US" smtClean="0"/>
-              <a:t>2023/5/18</a:t>
+              <a:t>2023/5/19</a:t>
             </a:fld>
             <a:endParaRPr lang="zh-CN" altLang="en-US"/>
           </a:p>
@@ -2674,7 +2674,7 @@
           <a:p>
             <a:fld id="{9EFD9D74-47D9-4702-A33C-335B63B48DBF}" type="datetimeFigureOut">
               <a:rPr lang="zh-CN" altLang="en-US" smtClean="0"/>
-              <a:t>2023/5/18</a:t>
+              <a:t>2023/5/19</a:t>
             </a:fld>
             <a:endParaRPr lang="zh-CN" altLang="en-US" dirty="0"/>
           </a:p>
@@ -2885,7 +2885,7 @@
           <a:p>
             <a:fld id="{760FBDFE-C587-4B4C-A407-44438C67B59E}" type="datetimeFigureOut">
               <a:rPr lang="zh-CN" altLang="en-US" smtClean="0"/>
-              <a:t>2023/5/18</a:t>
+              <a:t>2023/5/19</a:t>
             </a:fld>
             <a:endParaRPr lang="zh-CN" altLang="en-US"/>
           </a:p>
@@ -3098,7 +3098,7 @@
           <a:p>
             <a:fld id="{760FBDFE-C587-4B4C-A407-44438C67B59E}" type="datetimeFigureOut">
               <a:rPr lang="zh-CN" altLang="en-US" smtClean="0"/>
-              <a:t>2023/5/18</a:t>
+              <a:t>2023/5/19</a:t>
             </a:fld>
             <a:endParaRPr lang="zh-CN" altLang="en-US"/>
           </a:p>
@@ -3615,22 +3615,30 @@
       </p:pic>
       <p:pic>
         <p:nvPicPr>
-          <p:cNvPr id="5" name="p2" descr="model"/>
+          <p:cNvPr id="5" name="p2" descr="钥匙"/>
           <p:cNvPicPr>
             <a:picLocks noChangeAspect="1"/>
           </p:cNvPicPr>
           <p:nvPr/>
         </p:nvPicPr>
         <p:blipFill>
-          <a:blip r:embed="rId2"/>
-          <a:stretch>
-            <a:fillRect/>
-          </a:stretch>
+          <a:blip r:embed="rId3">
+            <a:extLst>
+              <a:ext uri="{28A0092B-C50C-407E-A947-70E740481C1C}">
+                <a14:useLocalDpi xmlns:a14="http://schemas.microsoft.com/office/drawing/2010/main" val="0"/>
+              </a:ext>
+              <a:ext uri="{96DAC541-7B7A-43D3-8B79-37D633B846F1}">
+                <asvg:svgBlip xmlns:asvg="http://schemas.microsoft.com/office/drawing/2016/SVG/main" r:embed="rId4"/>
+              </a:ext>
+            </a:extLst>
+          </a:blip>
+          <a:srcRect/>
+          <a:stretch/>
         </p:blipFill>
         <p:spPr>
           <a:xfrm>
-            <a:off x="6250305" y="1763395"/>
-            <a:ext cx="2461260" cy="1845945"/>
+            <a:off x="6557962" y="1763395"/>
+            <a:ext cx="1845945" cy="1845945"/>
           </a:xfrm>
           <a:prstGeom prst="rect">
             <a:avLst/>
@@ -3639,22 +3647,30 @@
       </p:pic>
       <p:pic>
         <p:nvPicPr>
-          <p:cNvPr id="6" name="p3" descr="model"/>
+          <p:cNvPr id="6" name="p3" descr="锁定"/>
           <p:cNvPicPr>
             <a:picLocks noChangeAspect="1"/>
           </p:cNvPicPr>
           <p:nvPr/>
         </p:nvPicPr>
         <p:blipFill>
-          <a:blip r:embed="rId2"/>
-          <a:stretch>
-            <a:fillRect/>
-          </a:stretch>
+          <a:blip r:embed="rId5">
+            <a:extLst>
+              <a:ext uri="{28A0092B-C50C-407E-A947-70E740481C1C}">
+                <a14:useLocalDpi xmlns:a14="http://schemas.microsoft.com/office/drawing/2010/main" val="0"/>
+              </a:ext>
+              <a:ext uri="{96DAC541-7B7A-43D3-8B79-37D633B846F1}">
+                <asvg:svgBlip xmlns:asvg="http://schemas.microsoft.com/office/drawing/2016/SVG/main" r:embed="rId6"/>
+              </a:ext>
+            </a:extLst>
+          </a:blip>
+          <a:srcRect/>
+          <a:stretch/>
         </p:blipFill>
         <p:spPr>
           <a:xfrm>
-            <a:off x="7496810" y="4961255"/>
-            <a:ext cx="993775" cy="745490"/>
+            <a:off x="7620952" y="4961255"/>
+            <a:ext cx="745490" cy="745490"/>
           </a:xfrm>
           <a:prstGeom prst="rect">
             <a:avLst/>
@@ -3805,14 +3821,14 @@
             </p:custDataLst>
             <p:extLst>
               <p:ext uri="{D42A27DB-BD31-4B8C-83A1-F6EECF244321}">
-                <p14:modId xmlns:p14="http://schemas.microsoft.com/office/powerpoint/2010/main" val="1101458864"/>
+                <p14:modId xmlns:p14="http://schemas.microsoft.com/office/powerpoint/2010/main" val="1408194716"/>
               </p:ext>
             </p:extLst>
           </p:nvPr>
         </p:nvGraphicFramePr>
         <p:xfrm>
           <a:off x="647700" y="1825625"/>
-          <a:ext cx="10515600" cy="1143000"/>
+          <a:ext cx="10515600" cy="762000"/>
         </p:xfrm>
         <a:graphic>
           <a:graphicData uri="http://schemas.openxmlformats.org/drawingml/2006/table">
@@ -3874,7 +3890,7 @@
                     <a:lstStyle/>
                     <a:p>
                       <a:r>
-                        <a:t>Leptotyphlops  carlae</a:t>
+                        <a:t>张三</a:t>
                       </a:r>
                     </a:p>
                   </a:txBody>
@@ -3905,7 +3921,7 @@
                     <a:lstStyle/>
                     <a:p>
                       <a:r>
-                        <a:t>Reticulated  Pythons</a:t>
+                        <a:t>李四</a:t>
                       </a:r>
                     </a:p>
                   </a:txBody>
@@ -3917,7 +3933,7 @@
                     <a:lstStyle/>
                     <a:p>
                       <a:r>
-                        <a:t>9000</a:t>
+                        <a:t>1000</a:t>
                       </a:r>
                     </a:p>
                   </a:txBody>
@@ -3925,7 +3941,38 @@
                 </a:tc>
                 <a:extLst>
                   <a:ext uri="{0D108BD9-81ED-4DB2-BD59-A6C34878D82A}">
-                    <a16:rowId xmlns:a16="http://schemas.microsoft.com/office/drawing/2014/main" val="10002"/>
+                    <a16:rowId xmlns:a16="http://schemas.microsoft.com/office/drawing/2014/main" val="10001"/>
+                  </a:ext>
+                </a:extLst>
+              </a:tr>
+              <a:tr h="381000">
+                <a:tc>
+                  <a:txBody>
+                    <a:bodyPr/>
+                    <a:lstStyle/>
+                    <a:p>
+                      <a:r>
+                        <a:t>王五</a:t>
+                      </a:r>
+                    </a:p>
+                  </a:txBody>
+                  <a:tcPr/>
+                </a:tc>
+                <a:tc>
+                  <a:txBody>
+                    <a:bodyPr/>
+                    <a:lstStyle/>
+                    <a:p>
+                      <a:r>
+                        <a:t>2000</a:t>
+                      </a:r>
+                    </a:p>
+                  </a:txBody>
+                  <a:tcPr/>
+                </a:tc>
+                <a:extLst>
+                  <a:ext uri="{0D108BD9-81ED-4DB2-BD59-A6C34878D82A}">
+                    <a16:rowId xmlns:a16="http://schemas.microsoft.com/office/drawing/2014/main" val="10001"/>
                   </a:ext>
                 </a:extLst>
               </a:tr>
